--- a/algoclass/Presentation2.pptx
+++ b/algoclass/Presentation2.pptx
@@ -3271,7 +3271,7 @@
         <a:spcBef>
           <a:spcPts val="1000"/>
         </a:spcBef>
-        <a:buFont typeface="Arial" panose="02080604020202020204" pitchFamily="34" charset="0"/>
+        <a:buFont typeface="Arial" panose="020B0604020202090204" pitchFamily="34" charset="0"/>
         <a:buChar char="•"/>
         <a:defRPr sz="2400" kern="1200">
           <a:solidFill>
@@ -3289,7 +3289,7 @@
         <a:spcBef>
           <a:spcPts val="500"/>
         </a:spcBef>
-        <a:buFont typeface="Arial" panose="02080604020202020204" pitchFamily="34" charset="0"/>
+        <a:buFont typeface="Arial" panose="020B0604020202090204" pitchFamily="34" charset="0"/>
         <a:buChar char="•"/>
         <a:defRPr sz="2000" kern="1200">
           <a:solidFill>
@@ -3307,7 +3307,7 @@
         <a:spcBef>
           <a:spcPts val="500"/>
         </a:spcBef>
-        <a:buFont typeface="Arial" panose="02080604020202020204" pitchFamily="34" charset="0"/>
+        <a:buFont typeface="Arial" panose="020B0604020202090204" pitchFamily="34" charset="0"/>
         <a:buChar char="•"/>
         <a:defRPr sz="1800" kern="1200">
           <a:solidFill>
@@ -3325,7 +3325,7 @@
         <a:spcBef>
           <a:spcPts val="500"/>
         </a:spcBef>
-        <a:buFont typeface="Arial" panose="02080604020202020204" pitchFamily="34" charset="0"/>
+        <a:buFont typeface="Arial" panose="020B0604020202090204" pitchFamily="34" charset="0"/>
         <a:buChar char="•"/>
         <a:defRPr sz="1800" kern="1200">
           <a:solidFill>
@@ -3343,7 +3343,7 @@
         <a:spcBef>
           <a:spcPts val="500"/>
         </a:spcBef>
-        <a:buFont typeface="Arial" panose="02080604020202020204" pitchFamily="34" charset="0"/>
+        <a:buFont typeface="Arial" panose="020B0604020202090204" pitchFamily="34" charset="0"/>
         <a:buChar char="•"/>
         <a:defRPr sz="1800" kern="1200">
           <a:solidFill>
@@ -3361,7 +3361,7 @@
         <a:spcBef>
           <a:spcPts val="500"/>
         </a:spcBef>
-        <a:buFont typeface="Arial" panose="02080604020202020204" pitchFamily="34" charset="0"/>
+        <a:buFont typeface="Arial" panose="020B0604020202090204" pitchFamily="34" charset="0"/>
         <a:buChar char="•"/>
         <a:defRPr sz="1800" kern="1200">
           <a:solidFill>
@@ -3379,7 +3379,7 @@
         <a:spcBef>
           <a:spcPts val="500"/>
         </a:spcBef>
-        <a:buFont typeface="Arial" panose="02080604020202020204" pitchFamily="34" charset="0"/>
+        <a:buFont typeface="Arial" panose="020B0604020202090204" pitchFamily="34" charset="0"/>
         <a:buChar char="•"/>
         <a:defRPr sz="1800" kern="1200">
           <a:solidFill>
@@ -3397,7 +3397,7 @@
         <a:spcBef>
           <a:spcPts val="500"/>
         </a:spcBef>
-        <a:buFont typeface="Arial" panose="02080604020202020204" pitchFamily="34" charset="0"/>
+        <a:buFont typeface="Arial" panose="020B0604020202090204" pitchFamily="34" charset="0"/>
         <a:buChar char="•"/>
         <a:defRPr sz="1800" kern="1200">
           <a:solidFill>
@@ -3415,7 +3415,7 @@
         <a:spcBef>
           <a:spcPts val="500"/>
         </a:spcBef>
-        <a:buFont typeface="Arial" panose="02080604020202020204" pitchFamily="34" charset="0"/>
+        <a:buFont typeface="Arial" panose="020B0604020202090204" pitchFamily="34" charset="0"/>
         <a:buChar char="•"/>
         <a:defRPr sz="1800" kern="1200">
           <a:solidFill>
@@ -4162,7 +4162,12 @@
             <p:ph type="title"/>
           </p:nvPr>
         </p:nvSpPr>
-        <p:spPr/>
+        <p:spPr>
+          <a:xfrm>
+            <a:off x="647700" y="67945"/>
+            <a:ext cx="10514965" cy="1036320"/>
+          </a:xfrm>
+        </p:spPr>
         <p:txBody>
           <a:bodyPr/>
           <a:p>
@@ -4178,7 +4183,7 @@
       </p:sp>
       <p:pic>
         <p:nvPicPr>
-          <p:cNvPr id="11" name="Content Placeholder 10"/>
+          <p:cNvPr id="4" name="Content Placeholder 3"/>
           <p:cNvPicPr>
             <a:picLocks noChangeAspect="1"/>
           </p:cNvPicPr>
@@ -4194,8 +4199,8 @@
         </p:blipFill>
         <p:spPr>
           <a:xfrm>
-            <a:off x="723265" y="1965325"/>
-            <a:ext cx="2315210" cy="4634865"/>
+            <a:off x="765175" y="1809115"/>
+            <a:ext cx="2324735" cy="4351655"/>
           </a:xfrm>
           <a:prstGeom prst="rect">
             <a:avLst/>
@@ -4204,7 +4209,7 @@
       </p:pic>
       <p:pic>
         <p:nvPicPr>
-          <p:cNvPr id="13" name="Picture 12"/>
+          <p:cNvPr id="5" name="Picture 4"/>
           <p:cNvPicPr>
             <a:picLocks noChangeAspect="1"/>
           </p:cNvPicPr>
@@ -4218,8 +4223,8 @@
         </p:blipFill>
         <p:spPr>
           <a:xfrm>
-            <a:off x="765175" y="1105535"/>
-            <a:ext cx="7223125" cy="817245"/>
+            <a:off x="765175" y="850900"/>
+            <a:ext cx="9521825" cy="891540"/>
           </a:xfrm>
           <a:prstGeom prst="rect">
             <a:avLst/>
